--- a/documents/Django Tutorial.pptx
+++ b/documents/Django Tutorial.pptx
@@ -12,7 +12,7 @@
     <p:sldId id="257" r:id="rId3"/>
     <p:sldId id="258" r:id="rId4"/>
     <p:sldId id="259" r:id="rId5"/>
-    <p:sldId id="260" r:id="rId6"/>
+    <p:sldId id="282" r:id="rId6"/>
     <p:sldId id="261" r:id="rId7"/>
     <p:sldId id="262" r:id="rId8"/>
     <p:sldId id="263" r:id="rId9"/>
@@ -39,16 +39,16 @@
   <p:notesSz cx="6858000" cy="9144000"/>
   <p:embeddedFontLst>
     <p:embeddedFont>
-      <p:font typeface="맑은 고딕" panose="020B0503020000020004" pitchFamily="50" charset="-127"/>
+      <p:font typeface="Roboto" charset="0"/>
       <p:regular r:id="rId29"/>
       <p:bold r:id="rId30"/>
+      <p:italic r:id="rId31"/>
+      <p:boldItalic r:id="rId32"/>
     </p:embeddedFont>
     <p:embeddedFont>
-      <p:font typeface="Roboto" panose="020B0604020202020204" charset="0"/>
-      <p:regular r:id="rId31"/>
-      <p:bold r:id="rId32"/>
-      <p:italic r:id="rId33"/>
-      <p:boldItalic r:id="rId34"/>
+      <p:font typeface="맑은 고딕" pitchFamily="50" charset="-127"/>
+      <p:regular r:id="rId33"/>
+      <p:bold r:id="rId34"/>
     </p:embeddedFont>
   </p:embeddedFontLst>
   <p:defaultTextStyle>
@@ -282,7 +282,7 @@
   </p:defaultTextStyle>
   <p:extLst>
     <p:ext uri="{EFAFB233-063F-42B5-8137-9DF3F51BA10A}">
-      <p15:sldGuideLst xmlns="" xmlns:p15="http://schemas.microsoft.com/office/powerpoint/2012/main">
+      <p15:sldGuideLst xmlns:p15="http://schemas.microsoft.com/office/powerpoint/2012/main" xmlns="">
         <p15:guide id="1" orient="horz" pos="1620">
           <p15:clr>
             <a:srgbClr val="A4A3A4"/>
@@ -508,7 +508,7 @@
     </p:spTree>
     <p:extLst>
       <p:ext uri="{BB962C8B-B14F-4D97-AF65-F5344CB8AC3E}">
-        <p14:creationId xmlns:p14="http://schemas.microsoft.com/office/powerpoint/2010/main" val="2128015406"/>
+        <p14:creationId xmlns:p14="http://schemas.microsoft.com/office/powerpoint/2010/main" xmlns="" val="2128015406"/>
       </p:ext>
     </p:extLst>
   </p:cSld>
@@ -3971,6 +3971,15 @@
             </a:pPr>
             <a:fld id="{00000000-1234-1234-1234-123412341234}" type="slidenum">
               <a:rPr lang="ko"/>
+              <a:pPr marL="0" lvl="0" indent="0" algn="r" rtl="0">
+                <a:spcBef>
+                  <a:spcPts val="0"/>
+                </a:spcBef>
+                <a:spcAft>
+                  <a:spcPts val="0"/>
+                </a:spcAft>
+                <a:buNone/>
+              </a:pPr>
               <a:t>‹#›</a:t>
             </a:fld>
             <a:endParaRPr/>
@@ -4406,6 +4415,15 @@
             </a:pPr>
             <a:fld id="{00000000-1234-1234-1234-123412341234}" type="slidenum">
               <a:rPr lang="ko"/>
+              <a:pPr marL="0" lvl="0" indent="0" algn="r" rtl="0">
+                <a:spcBef>
+                  <a:spcPts val="0"/>
+                </a:spcBef>
+                <a:spcAft>
+                  <a:spcPts val="0"/>
+                </a:spcAft>
+                <a:buNone/>
+              </a:pPr>
               <a:t>‹#›</a:t>
             </a:fld>
             <a:endParaRPr/>
@@ -4518,6 +4536,15 @@
             </a:pPr>
             <a:fld id="{00000000-1234-1234-1234-123412341234}" type="slidenum">
               <a:rPr lang="ko"/>
+              <a:pPr marL="0" lvl="0" indent="0" algn="r" rtl="0">
+                <a:spcBef>
+                  <a:spcPts val="0"/>
+                </a:spcBef>
+                <a:spcAft>
+                  <a:spcPts val="0"/>
+                </a:spcAft>
+                <a:buNone/>
+              </a:pPr>
               <a:t>‹#›</a:t>
             </a:fld>
             <a:endParaRPr/>
@@ -4787,6 +4814,15 @@
             </a:pPr>
             <a:fld id="{00000000-1234-1234-1234-123412341234}" type="slidenum">
               <a:rPr lang="ko"/>
+              <a:pPr marL="0" lvl="0" indent="0" algn="r" rtl="0">
+                <a:spcBef>
+                  <a:spcPts val="0"/>
+                </a:spcBef>
+                <a:spcAft>
+                  <a:spcPts val="0"/>
+                </a:spcAft>
+                <a:buNone/>
+              </a:pPr>
               <a:t>‹#›</a:t>
             </a:fld>
             <a:endParaRPr/>
@@ -5243,6 +5279,15 @@
             </a:pPr>
             <a:fld id="{00000000-1234-1234-1234-123412341234}" type="slidenum">
               <a:rPr lang="ko"/>
+              <a:pPr marL="0" lvl="0" indent="0" algn="r" rtl="0">
+                <a:spcBef>
+                  <a:spcPts val="0"/>
+                </a:spcBef>
+                <a:spcAft>
+                  <a:spcPts val="0"/>
+                </a:spcAft>
+                <a:buNone/>
+              </a:pPr>
               <a:t>‹#›</a:t>
             </a:fld>
             <a:endParaRPr/>
@@ -5828,6 +5873,15 @@
             </a:pPr>
             <a:fld id="{00000000-1234-1234-1234-123412341234}" type="slidenum">
               <a:rPr lang="ko"/>
+              <a:pPr marL="0" lvl="0" indent="0" algn="r" rtl="0">
+                <a:spcBef>
+                  <a:spcPts val="0"/>
+                </a:spcBef>
+                <a:spcAft>
+                  <a:spcPts val="0"/>
+                </a:spcAft>
+                <a:buNone/>
+              </a:pPr>
               <a:t>‹#›</a:t>
             </a:fld>
             <a:endParaRPr/>
@@ -6155,6 +6209,15 @@
             </a:pPr>
             <a:fld id="{00000000-1234-1234-1234-123412341234}" type="slidenum">
               <a:rPr lang="ko"/>
+              <a:pPr marL="0" lvl="0" indent="0" algn="r" rtl="0">
+                <a:spcBef>
+                  <a:spcPts val="0"/>
+                </a:spcBef>
+                <a:spcAft>
+                  <a:spcPts val="0"/>
+                </a:spcAft>
+                <a:buNone/>
+              </a:pPr>
               <a:t>‹#›</a:t>
             </a:fld>
             <a:endParaRPr/>
@@ -6674,6 +6737,15 @@
             </a:pPr>
             <a:fld id="{00000000-1234-1234-1234-123412341234}" type="slidenum">
               <a:rPr lang="ko"/>
+              <a:pPr marL="0" lvl="0" indent="0" algn="r" rtl="0">
+                <a:spcBef>
+                  <a:spcPts val="0"/>
+                </a:spcBef>
+                <a:spcAft>
+                  <a:spcPts val="0"/>
+                </a:spcAft>
+                <a:buNone/>
+              </a:pPr>
               <a:t>‹#›</a:t>
             </a:fld>
             <a:endParaRPr/>
@@ -6943,6 +7015,15 @@
             </a:pPr>
             <a:fld id="{00000000-1234-1234-1234-123412341234}" type="slidenum">
               <a:rPr lang="ko"/>
+              <a:pPr marL="0" lvl="0" indent="0" algn="r" rtl="0">
+                <a:spcBef>
+                  <a:spcPts val="0"/>
+                </a:spcBef>
+                <a:spcAft>
+                  <a:spcPts val="0"/>
+                </a:spcAft>
+                <a:buNone/>
+              </a:pPr>
               <a:t>‹#›</a:t>
             </a:fld>
             <a:endParaRPr/>
@@ -7717,6 +7798,15 @@
             </a:pPr>
             <a:fld id="{00000000-1234-1234-1234-123412341234}" type="slidenum">
               <a:rPr lang="ko"/>
+              <a:pPr marL="0" lvl="0" indent="0" algn="r" rtl="0">
+                <a:spcBef>
+                  <a:spcPts val="0"/>
+                </a:spcBef>
+                <a:spcAft>
+                  <a:spcPts val="0"/>
+                </a:spcAft>
+                <a:buNone/>
+              </a:pPr>
               <a:t>‹#›</a:t>
             </a:fld>
             <a:endParaRPr/>
@@ -8002,6 +8092,15 @@
             </a:pPr>
             <a:fld id="{00000000-1234-1234-1234-123412341234}" type="slidenum">
               <a:rPr lang="ko"/>
+              <a:pPr marL="0" lvl="0" indent="0" algn="r" rtl="0">
+                <a:spcBef>
+                  <a:spcPts val="0"/>
+                </a:spcBef>
+                <a:spcAft>
+                  <a:spcPts val="0"/>
+                </a:spcAft>
+                <a:buNone/>
+              </a:pPr>
               <a:t>‹#›</a:t>
             </a:fld>
             <a:endParaRPr/>
@@ -8699,6 +8798,15 @@
             </a:pPr>
             <a:fld id="{00000000-1234-1234-1234-123412341234}" type="slidenum">
               <a:rPr lang="ko"/>
+              <a:pPr marL="0" lvl="0" indent="0" algn="r" rtl="0">
+                <a:spcBef>
+                  <a:spcPts val="0"/>
+                </a:spcBef>
+                <a:spcAft>
+                  <a:spcPts val="0"/>
+                </a:spcAft>
+                <a:buNone/>
+              </a:pPr>
               <a:t>‹#›</a:t>
             </a:fld>
             <a:endParaRPr/>
@@ -9614,7 +9722,7 @@
                 <a:gridCol w="7239000">
                   <a:extLst>
                     <a:ext uri="{9D8B030D-6E8A-4147-A177-3AD203B41FA5}">
-                      <a16:colId xmlns="" xmlns:a16="http://schemas.microsoft.com/office/drawing/2014/main" val="20000"/>
+                      <a16:colId xmlns:a16="http://schemas.microsoft.com/office/drawing/2014/main" xmlns="" val="20000"/>
                     </a:ext>
                   </a:extLst>
                 </a:gridCol>
@@ -9663,7 +9771,7 @@
                 </a:tc>
                 <a:extLst>
                   <a:ext uri="{0D108BD9-81ED-4DB2-BD59-A6C34878D82A}">
-                    <a16:rowId xmlns="" xmlns:a16="http://schemas.microsoft.com/office/drawing/2014/main" val="10000"/>
+                    <a16:rowId xmlns:a16="http://schemas.microsoft.com/office/drawing/2014/main" xmlns="" val="10000"/>
                   </a:ext>
                 </a:extLst>
               </a:tr>
@@ -9944,7 +10052,7 @@
                 <a:gridCol w="7239000">
                   <a:extLst>
                     <a:ext uri="{9D8B030D-6E8A-4147-A177-3AD203B41FA5}">
-                      <a16:colId xmlns="" xmlns:a16="http://schemas.microsoft.com/office/drawing/2014/main" val="20000"/>
+                      <a16:colId xmlns:a16="http://schemas.microsoft.com/office/drawing/2014/main" xmlns="" val="20000"/>
                     </a:ext>
                   </a:extLst>
                 </a:gridCol>
@@ -9993,7 +10101,7 @@
                 </a:tc>
                 <a:extLst>
                   <a:ext uri="{0D108BD9-81ED-4DB2-BD59-A6C34878D82A}">
-                    <a16:rowId xmlns="" xmlns:a16="http://schemas.microsoft.com/office/drawing/2014/main" val="10000"/>
+                    <a16:rowId xmlns:a16="http://schemas.microsoft.com/office/drawing/2014/main" xmlns="" val="10000"/>
                   </a:ext>
                 </a:extLst>
               </a:tr>
@@ -10347,7 +10455,7 @@
                 <a:gridCol w="7239000">
                   <a:extLst>
                     <a:ext uri="{9D8B030D-6E8A-4147-A177-3AD203B41FA5}">
-                      <a16:colId xmlns="" xmlns:a16="http://schemas.microsoft.com/office/drawing/2014/main" val="20000"/>
+                      <a16:colId xmlns:a16="http://schemas.microsoft.com/office/drawing/2014/main" xmlns="" val="20000"/>
                     </a:ext>
                   </a:extLst>
                 </a:gridCol>
@@ -10396,7 +10504,7 @@
                 </a:tc>
                 <a:extLst>
                   <a:ext uri="{0D108BD9-81ED-4DB2-BD59-A6C34878D82A}">
-                    <a16:rowId xmlns="" xmlns:a16="http://schemas.microsoft.com/office/drawing/2014/main" val="10000"/>
+                    <a16:rowId xmlns:a16="http://schemas.microsoft.com/office/drawing/2014/main" xmlns="" val="10000"/>
                   </a:ext>
                 </a:extLst>
               </a:tr>
@@ -10646,7 +10754,7 @@
                 <a:gridCol w="7239000">
                   <a:extLst>
                     <a:ext uri="{9D8B030D-6E8A-4147-A177-3AD203B41FA5}">
-                      <a16:colId xmlns="" xmlns:a16="http://schemas.microsoft.com/office/drawing/2014/main" val="20000"/>
+                      <a16:colId xmlns:a16="http://schemas.microsoft.com/office/drawing/2014/main" xmlns="" val="20000"/>
                     </a:ext>
                   </a:extLst>
                 </a:gridCol>
@@ -10729,7 +10837,7 @@
                 </a:tc>
                 <a:extLst>
                   <a:ext uri="{0D108BD9-81ED-4DB2-BD59-A6C34878D82A}">
-                    <a16:rowId xmlns="" xmlns:a16="http://schemas.microsoft.com/office/drawing/2014/main" val="10000"/>
+                    <a16:rowId xmlns:a16="http://schemas.microsoft.com/office/drawing/2014/main" xmlns="" val="10000"/>
                   </a:ext>
                 </a:extLst>
               </a:tr>
@@ -10958,7 +11066,7 @@
                 <a:gridCol w="7239000">
                   <a:extLst>
                     <a:ext uri="{9D8B030D-6E8A-4147-A177-3AD203B41FA5}">
-                      <a16:colId xmlns="" xmlns:a16="http://schemas.microsoft.com/office/drawing/2014/main" val="20000"/>
+                      <a16:colId xmlns:a16="http://schemas.microsoft.com/office/drawing/2014/main" xmlns="" val="20000"/>
                     </a:ext>
                   </a:extLst>
                 </a:gridCol>
@@ -11007,7 +11115,7 @@
                 </a:tc>
                 <a:extLst>
                   <a:ext uri="{0D108BD9-81ED-4DB2-BD59-A6C34878D82A}">
-                    <a16:rowId xmlns="" xmlns:a16="http://schemas.microsoft.com/office/drawing/2014/main" val="10000"/>
+                    <a16:rowId xmlns:a16="http://schemas.microsoft.com/office/drawing/2014/main" xmlns="" val="10000"/>
                   </a:ext>
                 </a:extLst>
               </a:tr>
@@ -11208,7 +11316,7 @@
                 <a:gridCol w="7239000">
                   <a:extLst>
                     <a:ext uri="{9D8B030D-6E8A-4147-A177-3AD203B41FA5}">
-                      <a16:colId xmlns="" xmlns:a16="http://schemas.microsoft.com/office/drawing/2014/main" val="20000"/>
+                      <a16:colId xmlns:a16="http://schemas.microsoft.com/office/drawing/2014/main" xmlns="" val="20000"/>
                     </a:ext>
                   </a:extLst>
                 </a:gridCol>
@@ -11257,7 +11365,7 @@
                 </a:tc>
                 <a:extLst>
                   <a:ext uri="{0D108BD9-81ED-4DB2-BD59-A6C34878D82A}">
-                    <a16:rowId xmlns="" xmlns:a16="http://schemas.microsoft.com/office/drawing/2014/main" val="10000"/>
+                    <a16:rowId xmlns:a16="http://schemas.microsoft.com/office/drawing/2014/main" xmlns="" val="10000"/>
                   </a:ext>
                 </a:extLst>
               </a:tr>
@@ -11557,7 +11665,7 @@
                 <a:gridCol w="7239000">
                   <a:extLst>
                     <a:ext uri="{9D8B030D-6E8A-4147-A177-3AD203B41FA5}">
-                      <a16:colId xmlns="" xmlns:a16="http://schemas.microsoft.com/office/drawing/2014/main" val="20000"/>
+                      <a16:colId xmlns:a16="http://schemas.microsoft.com/office/drawing/2014/main" xmlns="" val="20000"/>
                     </a:ext>
                   </a:extLst>
                 </a:gridCol>
@@ -11606,7 +11714,7 @@
                 </a:tc>
                 <a:extLst>
                   <a:ext uri="{0D108BD9-81ED-4DB2-BD59-A6C34878D82A}">
-                    <a16:rowId xmlns="" xmlns:a16="http://schemas.microsoft.com/office/drawing/2014/main" val="10000"/>
+                    <a16:rowId xmlns:a16="http://schemas.microsoft.com/office/drawing/2014/main" xmlns="" val="10000"/>
                   </a:ext>
                 </a:extLst>
               </a:tr>
@@ -11756,7 +11864,7 @@
                 <a:gridCol w="7239000">
                   <a:extLst>
                     <a:ext uri="{9D8B030D-6E8A-4147-A177-3AD203B41FA5}">
-                      <a16:colId xmlns="" xmlns:a16="http://schemas.microsoft.com/office/drawing/2014/main" val="20000"/>
+                      <a16:colId xmlns:a16="http://schemas.microsoft.com/office/drawing/2014/main" xmlns="" val="20000"/>
                     </a:ext>
                   </a:extLst>
                 </a:gridCol>
@@ -11805,7 +11913,7 @@
                 </a:tc>
                 <a:extLst>
                   <a:ext uri="{0D108BD9-81ED-4DB2-BD59-A6C34878D82A}">
-                    <a16:rowId xmlns="" xmlns:a16="http://schemas.microsoft.com/office/drawing/2014/main" val="10000"/>
+                    <a16:rowId xmlns:a16="http://schemas.microsoft.com/office/drawing/2014/main" xmlns="" val="10000"/>
                   </a:ext>
                 </a:extLst>
               </a:tr>
@@ -11955,7 +12063,7 @@
                 <a:gridCol w="7239000">
                   <a:extLst>
                     <a:ext uri="{9D8B030D-6E8A-4147-A177-3AD203B41FA5}">
-                      <a16:colId xmlns="" xmlns:a16="http://schemas.microsoft.com/office/drawing/2014/main" val="20000"/>
+                      <a16:colId xmlns:a16="http://schemas.microsoft.com/office/drawing/2014/main" xmlns="" val="20000"/>
                     </a:ext>
                   </a:extLst>
                 </a:gridCol>
@@ -12004,7 +12112,7 @@
                 </a:tc>
                 <a:extLst>
                   <a:ext uri="{0D108BD9-81ED-4DB2-BD59-A6C34878D82A}">
-                    <a16:rowId xmlns="" xmlns:a16="http://schemas.microsoft.com/office/drawing/2014/main" val="10000"/>
+                    <a16:rowId xmlns:a16="http://schemas.microsoft.com/office/drawing/2014/main" xmlns="" val="10000"/>
                   </a:ext>
                 </a:extLst>
               </a:tr>
@@ -12024,7 +12132,7 @@
           <a:blip r:embed="rId3">
             <a:extLst>
               <a:ext uri="{28A0092B-C50C-407E-A947-70E740481C1C}">
-                <a14:useLocalDpi xmlns:a14="http://schemas.microsoft.com/office/drawing/2010/main" val="0"/>
+                <a14:useLocalDpi xmlns:a14="http://schemas.microsoft.com/office/drawing/2010/main" xmlns="" val="0"/>
               </a:ext>
             </a:extLst>
           </a:blip>
@@ -12047,14 +12155,14 @@
           </a:ln>
           <a:extLst>
             <a:ext uri="{909E8E84-426E-40DD-AFC4-6F175D3DCCD1}">
-              <a14:hiddenFill xmlns:a14="http://schemas.microsoft.com/office/drawing/2010/main">
+              <a14:hiddenFill xmlns:a14="http://schemas.microsoft.com/office/drawing/2010/main" xmlns="">
                 <a:solidFill>
                   <a:schemeClr val="accent1"/>
                 </a:solidFill>
               </a14:hiddenFill>
             </a:ext>
             <a:ext uri="{91240B29-F687-4F45-9708-019B960494DF}">
-              <a14:hiddenLine xmlns:a14="http://schemas.microsoft.com/office/drawing/2010/main" w="9525">
+              <a14:hiddenLine xmlns:a14="http://schemas.microsoft.com/office/drawing/2010/main" xmlns="" w="9525">
                 <a:solidFill>
                   <a:schemeClr val="tx1"/>
                 </a:solidFill>
@@ -12180,7 +12288,7 @@
                 <a:gridCol w="7239000">
                   <a:extLst>
                     <a:ext uri="{9D8B030D-6E8A-4147-A177-3AD203B41FA5}">
-                      <a16:colId xmlns="" xmlns:a16="http://schemas.microsoft.com/office/drawing/2014/main" val="20000"/>
+                      <a16:colId xmlns:a16="http://schemas.microsoft.com/office/drawing/2014/main" xmlns="" val="20000"/>
                     </a:ext>
                   </a:extLst>
                 </a:gridCol>
@@ -12263,7 +12371,7 @@
                 </a:tc>
                 <a:extLst>
                   <a:ext uri="{0D108BD9-81ED-4DB2-BD59-A6C34878D82A}">
-                    <a16:rowId xmlns="" xmlns:a16="http://schemas.microsoft.com/office/drawing/2014/main" val="10000"/>
+                    <a16:rowId xmlns:a16="http://schemas.microsoft.com/office/drawing/2014/main" xmlns="" val="10000"/>
                   </a:ext>
                 </a:extLst>
               </a:tr>
@@ -12651,7 +12759,7 @@
                 <a:gridCol w="7239000">
                   <a:extLst>
                     <a:ext uri="{9D8B030D-6E8A-4147-A177-3AD203B41FA5}">
-                      <a16:colId xmlns="" xmlns:a16="http://schemas.microsoft.com/office/drawing/2014/main" val="20000"/>
+                      <a16:colId xmlns:a16="http://schemas.microsoft.com/office/drawing/2014/main" xmlns="" val="20000"/>
                     </a:ext>
                   </a:extLst>
                 </a:gridCol>
@@ -12734,7 +12842,7 @@
                 </a:tc>
                 <a:extLst>
                   <a:ext uri="{0D108BD9-81ED-4DB2-BD59-A6C34878D82A}">
-                    <a16:rowId xmlns="" xmlns:a16="http://schemas.microsoft.com/office/drawing/2014/main" val="10000"/>
+                    <a16:rowId xmlns:a16="http://schemas.microsoft.com/office/drawing/2014/main" xmlns="" val="10000"/>
                   </a:ext>
                 </a:extLst>
               </a:tr>
@@ -13000,7 +13108,7 @@
                 <a:gridCol w="7239000">
                   <a:extLst>
                     <a:ext uri="{9D8B030D-6E8A-4147-A177-3AD203B41FA5}">
-                      <a16:colId xmlns="" xmlns:a16="http://schemas.microsoft.com/office/drawing/2014/main" val="20000"/>
+                      <a16:colId xmlns:a16="http://schemas.microsoft.com/office/drawing/2014/main" xmlns="" val="20000"/>
                     </a:ext>
                   </a:extLst>
                 </a:gridCol>
@@ -13083,7 +13191,7 @@
                 </a:tc>
                 <a:extLst>
                   <a:ext uri="{0D108BD9-81ED-4DB2-BD59-A6C34878D82A}">
-                    <a16:rowId xmlns="" xmlns:a16="http://schemas.microsoft.com/office/drawing/2014/main" val="10000"/>
+                    <a16:rowId xmlns:a16="http://schemas.microsoft.com/office/drawing/2014/main" xmlns="" val="10000"/>
                   </a:ext>
                 </a:extLst>
               </a:tr>
@@ -13233,7 +13341,7 @@
                 <a:gridCol w="7239000">
                   <a:extLst>
                     <a:ext uri="{9D8B030D-6E8A-4147-A177-3AD203B41FA5}">
-                      <a16:colId xmlns="" xmlns:a16="http://schemas.microsoft.com/office/drawing/2014/main" val="20000"/>
+                      <a16:colId xmlns:a16="http://schemas.microsoft.com/office/drawing/2014/main" xmlns="" val="20000"/>
                     </a:ext>
                   </a:extLst>
                 </a:gridCol>
@@ -13282,7 +13390,7 @@
                 </a:tc>
                 <a:extLst>
                   <a:ext uri="{0D108BD9-81ED-4DB2-BD59-A6C34878D82A}">
-                    <a16:rowId xmlns="" xmlns:a16="http://schemas.microsoft.com/office/drawing/2014/main" val="10000"/>
+                    <a16:rowId xmlns:a16="http://schemas.microsoft.com/office/drawing/2014/main" xmlns="" val="10000"/>
                   </a:ext>
                 </a:extLst>
               </a:tr>
@@ -13491,7 +13599,7 @@
                 <a:gridCol w="7239000">
                   <a:extLst>
                     <a:ext uri="{9D8B030D-6E8A-4147-A177-3AD203B41FA5}">
-                      <a16:colId xmlns="" xmlns:a16="http://schemas.microsoft.com/office/drawing/2014/main" val="20000"/>
+                      <a16:colId xmlns:a16="http://schemas.microsoft.com/office/drawing/2014/main" xmlns="" val="20000"/>
                     </a:ext>
                   </a:extLst>
                 </a:gridCol>
@@ -13540,7 +13648,7 @@
                 </a:tc>
                 <a:extLst>
                   <a:ext uri="{0D108BD9-81ED-4DB2-BD59-A6C34878D82A}">
-                    <a16:rowId xmlns="" xmlns:a16="http://schemas.microsoft.com/office/drawing/2014/main" val="10000"/>
+                    <a16:rowId xmlns:a16="http://schemas.microsoft.com/office/drawing/2014/main" xmlns="" val="10000"/>
                   </a:ext>
                 </a:extLst>
               </a:tr>
@@ -13899,7 +14007,7 @@
                 <a:gridCol w="7239000">
                   <a:extLst>
                     <a:ext uri="{9D8B030D-6E8A-4147-A177-3AD203B41FA5}">
-                      <a16:colId xmlns="" xmlns:a16="http://schemas.microsoft.com/office/drawing/2014/main" val="20000"/>
+                      <a16:colId xmlns:a16="http://schemas.microsoft.com/office/drawing/2014/main" xmlns="" val="20000"/>
                     </a:ext>
                   </a:extLst>
                 </a:gridCol>
@@ -13948,7 +14056,7 @@
                 </a:tc>
                 <a:extLst>
                   <a:ext uri="{0D108BD9-81ED-4DB2-BD59-A6C34878D82A}">
-                    <a16:rowId xmlns="" xmlns:a16="http://schemas.microsoft.com/office/drawing/2014/main" val="10000"/>
+                    <a16:rowId xmlns:a16="http://schemas.microsoft.com/office/drawing/2014/main" xmlns="" val="10000"/>
                   </a:ext>
                 </a:extLst>
               </a:tr>
@@ -14149,7 +14257,7 @@
                 <a:gridCol w="7239000">
                   <a:extLst>
                     <a:ext uri="{9D8B030D-6E8A-4147-A177-3AD203B41FA5}">
-                      <a16:colId xmlns="" xmlns:a16="http://schemas.microsoft.com/office/drawing/2014/main" val="20000"/>
+                      <a16:colId xmlns:a16="http://schemas.microsoft.com/office/drawing/2014/main" xmlns="" val="20000"/>
                     </a:ext>
                   </a:extLst>
                 </a:gridCol>
@@ -14198,7 +14306,7 @@
                 </a:tc>
                 <a:extLst>
                   <a:ext uri="{0D108BD9-81ED-4DB2-BD59-A6C34878D82A}">
-                    <a16:rowId xmlns="" xmlns:a16="http://schemas.microsoft.com/office/drawing/2014/main" val="10000"/>
+                    <a16:rowId xmlns:a16="http://schemas.microsoft.com/office/drawing/2014/main" xmlns="" val="10000"/>
                   </a:ext>
                 </a:extLst>
               </a:tr>
@@ -14533,7 +14641,7 @@
                 <a:gridCol w="7239000">
                   <a:extLst>
                     <a:ext uri="{9D8B030D-6E8A-4147-A177-3AD203B41FA5}">
-                      <a16:colId xmlns="" xmlns:a16="http://schemas.microsoft.com/office/drawing/2014/main" val="20000"/>
+                      <a16:colId xmlns:a16="http://schemas.microsoft.com/office/drawing/2014/main" xmlns="" val="20000"/>
                     </a:ext>
                   </a:extLst>
                 </a:gridCol>
@@ -14668,7 +14776,7 @@
                 </a:tc>
                 <a:extLst>
                   <a:ext uri="{0D108BD9-81ED-4DB2-BD59-A6C34878D82A}">
-                    <a16:rowId xmlns="" xmlns:a16="http://schemas.microsoft.com/office/drawing/2014/main" val="10000"/>
+                    <a16:rowId xmlns:a16="http://schemas.microsoft.com/office/drawing/2014/main" xmlns="" val="10000"/>
                   </a:ext>
                 </a:extLst>
               </a:tr>
@@ -14710,7 +14818,7 @@
                 </a:tc>
                 <a:extLst>
                   <a:ext uri="{0D108BD9-81ED-4DB2-BD59-A6C34878D82A}">
-                    <a16:rowId xmlns="" xmlns:a16="http://schemas.microsoft.com/office/drawing/2014/main" val="10001"/>
+                    <a16:rowId xmlns:a16="http://schemas.microsoft.com/office/drawing/2014/main" xmlns="" val="10001"/>
                   </a:ext>
                 </a:extLst>
               </a:tr>
@@ -14844,7 +14952,7 @@
                 </a:tc>
                 <a:extLst>
                   <a:ext uri="{0D108BD9-81ED-4DB2-BD59-A6C34878D82A}">
-                    <a16:rowId xmlns="" xmlns:a16="http://schemas.microsoft.com/office/drawing/2014/main" val="10002"/>
+                    <a16:rowId xmlns:a16="http://schemas.microsoft.com/office/drawing/2014/main" xmlns="" val="10002"/>
                   </a:ext>
                 </a:extLst>
               </a:tr>
@@ -15034,7 +15142,7 @@
                 </a:tc>
                 <a:extLst>
                   <a:ext uri="{0D108BD9-81ED-4DB2-BD59-A6C34878D82A}">
-                    <a16:rowId xmlns="" xmlns:a16="http://schemas.microsoft.com/office/drawing/2014/main" val="10003"/>
+                    <a16:rowId xmlns:a16="http://schemas.microsoft.com/office/drawing/2014/main" xmlns="" val="10003"/>
                   </a:ext>
                 </a:extLst>
               </a:tr>
@@ -15141,7 +15249,7 @@
                 <a:gridCol w="7239000">
                   <a:extLst>
                     <a:ext uri="{9D8B030D-6E8A-4147-A177-3AD203B41FA5}">
-                      <a16:colId xmlns="" xmlns:a16="http://schemas.microsoft.com/office/drawing/2014/main" val="20000"/>
+                      <a16:colId xmlns:a16="http://schemas.microsoft.com/office/drawing/2014/main" xmlns="" val="20000"/>
                     </a:ext>
                   </a:extLst>
                 </a:gridCol>
@@ -15190,7 +15298,7 @@
                 </a:tc>
                 <a:extLst>
                   <a:ext uri="{0D108BD9-81ED-4DB2-BD59-A6C34878D82A}">
-                    <a16:rowId xmlns="" xmlns:a16="http://schemas.microsoft.com/office/drawing/2014/main" val="10000"/>
+                    <a16:rowId xmlns:a16="http://schemas.microsoft.com/office/drawing/2014/main" xmlns="" val="10000"/>
                   </a:ext>
                 </a:extLst>
               </a:tr>
@@ -15232,7 +15340,7 @@
                 </a:tc>
                 <a:extLst>
                   <a:ext uri="{0D108BD9-81ED-4DB2-BD59-A6C34878D82A}">
-                    <a16:rowId xmlns="" xmlns:a16="http://schemas.microsoft.com/office/drawing/2014/main" val="10001"/>
+                    <a16:rowId xmlns:a16="http://schemas.microsoft.com/office/drawing/2014/main" xmlns="" val="10001"/>
                   </a:ext>
                 </a:extLst>
               </a:tr>
@@ -15314,7 +15422,7 @@
                 </a:tc>
                 <a:extLst>
                   <a:ext uri="{0D108BD9-81ED-4DB2-BD59-A6C34878D82A}">
-                    <a16:rowId xmlns="" xmlns:a16="http://schemas.microsoft.com/office/drawing/2014/main" val="10002"/>
+                    <a16:rowId xmlns:a16="http://schemas.microsoft.com/office/drawing/2014/main" xmlns="" val="10002"/>
                   </a:ext>
                 </a:extLst>
               </a:tr>
@@ -15356,7 +15464,7 @@
                 </a:tc>
                 <a:extLst>
                   <a:ext uri="{0D108BD9-81ED-4DB2-BD59-A6C34878D82A}">
-                    <a16:rowId xmlns="" xmlns:a16="http://schemas.microsoft.com/office/drawing/2014/main" val="10003"/>
+                    <a16:rowId xmlns:a16="http://schemas.microsoft.com/office/drawing/2014/main" xmlns="" val="10003"/>
                   </a:ext>
                 </a:extLst>
               </a:tr>
@@ -15426,7 +15534,7 @@
                 </a:tc>
                 <a:extLst>
                   <a:ext uri="{0D108BD9-81ED-4DB2-BD59-A6C34878D82A}">
-                    <a16:rowId xmlns="" xmlns:a16="http://schemas.microsoft.com/office/drawing/2014/main" val="10004"/>
+                    <a16:rowId xmlns:a16="http://schemas.microsoft.com/office/drawing/2014/main" xmlns="" val="10004"/>
                   </a:ext>
                 </a:extLst>
               </a:tr>
@@ -15508,7 +15616,7 @@
                 </a:tc>
                 <a:extLst>
                   <a:ext uri="{0D108BD9-81ED-4DB2-BD59-A6C34878D82A}">
-                    <a16:rowId xmlns="" xmlns:a16="http://schemas.microsoft.com/office/drawing/2014/main" val="10005"/>
+                    <a16:rowId xmlns:a16="http://schemas.microsoft.com/office/drawing/2014/main" xmlns="" val="10005"/>
                   </a:ext>
                 </a:extLst>
               </a:tr>
@@ -15578,7 +15686,7 @@
                 </a:tc>
                 <a:extLst>
                   <a:ext uri="{0D108BD9-81ED-4DB2-BD59-A6C34878D82A}">
-                    <a16:rowId xmlns="" xmlns:a16="http://schemas.microsoft.com/office/drawing/2014/main" val="10006"/>
+                    <a16:rowId xmlns:a16="http://schemas.microsoft.com/office/drawing/2014/main" xmlns="" val="10006"/>
                   </a:ext>
                 </a:extLst>
               </a:tr>
@@ -15628,7 +15736,7 @@
                 </a:tc>
                 <a:extLst>
                   <a:ext uri="{0D108BD9-81ED-4DB2-BD59-A6C34878D82A}">
-                    <a16:rowId xmlns="" xmlns:a16="http://schemas.microsoft.com/office/drawing/2014/main" val="10007"/>
+                    <a16:rowId xmlns:a16="http://schemas.microsoft.com/office/drawing/2014/main" xmlns="" val="10007"/>
                   </a:ext>
                 </a:extLst>
               </a:tr>
@@ -15742,7 +15850,7 @@
                 <a:gridCol w="7239000">
                   <a:extLst>
                     <a:ext uri="{9D8B030D-6E8A-4147-A177-3AD203B41FA5}">
-                      <a16:colId xmlns="" xmlns:a16="http://schemas.microsoft.com/office/drawing/2014/main" val="20000"/>
+                      <a16:colId xmlns:a16="http://schemas.microsoft.com/office/drawing/2014/main" xmlns="" val="20000"/>
                     </a:ext>
                   </a:extLst>
                 </a:gridCol>
@@ -15825,7 +15933,7 @@
                 </a:tc>
                 <a:extLst>
                   <a:ext uri="{0D108BD9-81ED-4DB2-BD59-A6C34878D82A}">
-                    <a16:rowId xmlns="" xmlns:a16="http://schemas.microsoft.com/office/drawing/2014/main" val="10000"/>
+                    <a16:rowId xmlns:a16="http://schemas.microsoft.com/office/drawing/2014/main" xmlns="" val="10000"/>
                   </a:ext>
                 </a:extLst>
               </a:tr>
@@ -15941,7 +16049,7 @@
                 </a:tc>
                 <a:extLst>
                   <a:ext uri="{0D108BD9-81ED-4DB2-BD59-A6C34878D82A}">
-                    <a16:rowId xmlns="" xmlns:a16="http://schemas.microsoft.com/office/drawing/2014/main" val="10001"/>
+                    <a16:rowId xmlns:a16="http://schemas.microsoft.com/office/drawing/2014/main" xmlns="" val="10001"/>
                   </a:ext>
                 </a:extLst>
               </a:tr>
@@ -15956,7 +16064,7 @@
           <p:nvPr/>
         </p:nvPicPr>
         <p:blipFill>
-          <a:blip>
+          <a:blip r:embed="rId3">
             <a:alphaModFix/>
           </a:blip>
           <a:stretch>
@@ -15984,7 +16092,7 @@
           <p:nvPr/>
         </p:nvPicPr>
         <p:blipFill>
-          <a:blip>
+          <a:blip r:embed="rId4">
             <a:alphaModFix/>
           </a:blip>
           <a:stretch>
@@ -16188,13 +16296,6 @@
   <p:clrMapOvr>
     <a:masterClrMapping/>
   </p:clrMapOvr>
-  <p:timing>
-    <p:tnLst>
-      <p:par>
-        <p:cTn id="1" dur="indefinite" restart="never" nodeType="tmRoot"/>
-      </p:par>
-    </p:tnLst>
-  </p:timing>
 </p:sld>
 </file>
 
@@ -16289,7 +16390,7 @@
                 <a:gridCol w="7239000">
                   <a:extLst>
                     <a:ext uri="{9D8B030D-6E8A-4147-A177-3AD203B41FA5}">
-                      <a16:colId xmlns="" xmlns:a16="http://schemas.microsoft.com/office/drawing/2014/main" val="20000"/>
+                      <a16:colId xmlns:a16="http://schemas.microsoft.com/office/drawing/2014/main" xmlns="" val="20000"/>
                     </a:ext>
                   </a:extLst>
                 </a:gridCol>
@@ -16372,7 +16473,7 @@
                 </a:tc>
                 <a:extLst>
                   <a:ext uri="{0D108BD9-81ED-4DB2-BD59-A6C34878D82A}">
-                    <a16:rowId xmlns="" xmlns:a16="http://schemas.microsoft.com/office/drawing/2014/main" val="10000"/>
+                    <a16:rowId xmlns:a16="http://schemas.microsoft.com/office/drawing/2014/main" xmlns="" val="10000"/>
                   </a:ext>
                 </a:extLst>
               </a:tr>
@@ -16630,7 +16731,7 @@
                 <a:gridCol w="7239000">
                   <a:extLst>
                     <a:ext uri="{9D8B030D-6E8A-4147-A177-3AD203B41FA5}">
-                      <a16:colId xmlns="" xmlns:a16="http://schemas.microsoft.com/office/drawing/2014/main" val="20000"/>
+                      <a16:colId xmlns:a16="http://schemas.microsoft.com/office/drawing/2014/main" xmlns="" val="20000"/>
                     </a:ext>
                   </a:extLst>
                 </a:gridCol>
@@ -16713,7 +16814,7 @@
                 </a:tc>
                 <a:extLst>
                   <a:ext uri="{0D108BD9-81ED-4DB2-BD59-A6C34878D82A}">
-                    <a16:rowId xmlns="" xmlns:a16="http://schemas.microsoft.com/office/drawing/2014/main" val="10000"/>
+                    <a16:rowId xmlns:a16="http://schemas.microsoft.com/office/drawing/2014/main" xmlns="" val="10000"/>
                   </a:ext>
                 </a:extLst>
               </a:tr>
@@ -17243,7 +17344,7 @@
                 <a:gridCol w="7239000">
                   <a:extLst>
                     <a:ext uri="{9D8B030D-6E8A-4147-A177-3AD203B41FA5}">
-                      <a16:colId xmlns="" xmlns:a16="http://schemas.microsoft.com/office/drawing/2014/main" val="20000"/>
+                      <a16:colId xmlns:a16="http://schemas.microsoft.com/office/drawing/2014/main" xmlns="" val="20000"/>
                     </a:ext>
                   </a:extLst>
                 </a:gridCol>
@@ -17292,7 +17393,7 @@
                 </a:tc>
                 <a:extLst>
                   <a:ext uri="{0D108BD9-81ED-4DB2-BD59-A6C34878D82A}">
-                    <a16:rowId xmlns="" xmlns:a16="http://schemas.microsoft.com/office/drawing/2014/main" val="10000"/>
+                    <a16:rowId xmlns:a16="http://schemas.microsoft.com/office/drawing/2014/main" xmlns="" val="10000"/>
                   </a:ext>
                 </a:extLst>
               </a:tr>
@@ -17434,7 +17535,7 @@
                 <a:gridCol w="7239000">
                   <a:extLst>
                     <a:ext uri="{9D8B030D-6E8A-4147-A177-3AD203B41FA5}">
-                      <a16:colId xmlns="" xmlns:a16="http://schemas.microsoft.com/office/drawing/2014/main" val="20000"/>
+                      <a16:colId xmlns:a16="http://schemas.microsoft.com/office/drawing/2014/main" xmlns="" val="20000"/>
                     </a:ext>
                   </a:extLst>
                 </a:gridCol>
@@ -17483,7 +17584,7 @@
                 </a:tc>
                 <a:extLst>
                   <a:ext uri="{0D108BD9-81ED-4DB2-BD59-A6C34878D82A}">
-                    <a16:rowId xmlns="" xmlns:a16="http://schemas.microsoft.com/office/drawing/2014/main" val="10000"/>
+                    <a16:rowId xmlns:a16="http://schemas.microsoft.com/office/drawing/2014/main" xmlns="" val="10000"/>
                   </a:ext>
                 </a:extLst>
               </a:tr>
